--- a/CSC3510 S2021/Lectures/01 Survey Results.pptx
+++ b/CSC3510 S2021/Lectures/01 Survey Results.pptx
@@ -5,18 +5,19 @@
     <p:sldMasterId id="2147483958" r:id="rId1"/>
   </p:sldMasterIdLst>
   <p:notesMasterIdLst>
-    <p:notesMasterId r:id="rId11"/>
+    <p:notesMasterId r:id="rId12"/>
   </p:notesMasterIdLst>
   <p:sldIdLst>
-    <p:sldId id="555" r:id="rId2"/>
-    <p:sldId id="556" r:id="rId3"/>
-    <p:sldId id="557" r:id="rId4"/>
-    <p:sldId id="558" r:id="rId5"/>
-    <p:sldId id="560" r:id="rId6"/>
-    <p:sldId id="561" r:id="rId7"/>
-    <p:sldId id="562" r:id="rId8"/>
-    <p:sldId id="563" r:id="rId9"/>
-    <p:sldId id="564" r:id="rId10"/>
+    <p:sldId id="565" r:id="rId2"/>
+    <p:sldId id="555" r:id="rId3"/>
+    <p:sldId id="556" r:id="rId4"/>
+    <p:sldId id="557" r:id="rId5"/>
+    <p:sldId id="558" r:id="rId6"/>
+    <p:sldId id="560" r:id="rId7"/>
+    <p:sldId id="561" r:id="rId8"/>
+    <p:sldId id="562" r:id="rId9"/>
+    <p:sldId id="563" r:id="rId10"/>
+    <p:sldId id="564" r:id="rId11"/>
   </p:sldIdLst>
   <p:sldSz cx="12192000" cy="6858000"/>
   <p:notesSz cx="6858000" cy="9144000"/>
@@ -205,7 +206,7 @@
           <a:p>
             <a:fld id="{C8AEADBA-F76D-42CB-AAEA-5899A162C59D}" type="datetimeFigureOut">
               <a:rPr lang="en-US" smtClean="0"/>
-              <a:t>1/12/2021</a:t>
+              <a:t>1/14/2021</a:t>
             </a:fld>
             <a:endParaRPr lang="en-US"/>
           </a:p>
@@ -541,7 +542,7 @@
             <a:fld id="{47082A43-FD40-714E-BD60-4E5210E14341}" type="slidenum">
               <a:rPr lang="en-US" smtClean="0"/>
               <a:pPr/>
-              <a:t>1</a:t>
+              <a:t>2</a:t>
             </a:fld>
             <a:endParaRPr lang="en-US"/>
           </a:p>
@@ -691,7 +692,7 @@
           <a:p>
             <a:fld id="{83777DF0-4DA5-40CD-8FA1-5F589D66E613}" type="datetimeFigureOut">
               <a:rPr lang="en-US" smtClean="0"/>
-              <a:t>1/12/2021</a:t>
+              <a:t>1/14/2021</a:t>
             </a:fld>
             <a:endParaRPr lang="en-US"/>
           </a:p>
@@ -861,7 +862,7 @@
           <a:p>
             <a:fld id="{83777DF0-4DA5-40CD-8FA1-5F589D66E613}" type="datetimeFigureOut">
               <a:rPr lang="en-US" smtClean="0"/>
-              <a:t>1/12/2021</a:t>
+              <a:t>1/14/2021</a:t>
             </a:fld>
             <a:endParaRPr lang="en-US"/>
           </a:p>
@@ -1041,7 +1042,7 @@
           <a:p>
             <a:fld id="{83777DF0-4DA5-40CD-8FA1-5F589D66E613}" type="datetimeFigureOut">
               <a:rPr lang="en-US" smtClean="0"/>
-              <a:t>1/12/2021</a:t>
+              <a:t>1/14/2021</a:t>
             </a:fld>
             <a:endParaRPr lang="en-US"/>
           </a:p>
@@ -1211,7 +1212,7 @@
           <a:p>
             <a:fld id="{83777DF0-4DA5-40CD-8FA1-5F589D66E613}" type="datetimeFigureOut">
               <a:rPr lang="en-US" smtClean="0"/>
-              <a:t>1/12/2021</a:t>
+              <a:t>1/14/2021</a:t>
             </a:fld>
             <a:endParaRPr lang="en-US"/>
           </a:p>
@@ -1457,7 +1458,7 @@
           <a:p>
             <a:fld id="{83777DF0-4DA5-40CD-8FA1-5F589D66E613}" type="datetimeFigureOut">
               <a:rPr lang="en-US" smtClean="0"/>
-              <a:t>1/12/2021</a:t>
+              <a:t>1/14/2021</a:t>
             </a:fld>
             <a:endParaRPr lang="en-US"/>
           </a:p>
@@ -1689,7 +1690,7 @@
           <a:p>
             <a:fld id="{83777DF0-4DA5-40CD-8FA1-5F589D66E613}" type="datetimeFigureOut">
               <a:rPr lang="en-US" smtClean="0"/>
-              <a:t>1/12/2021</a:t>
+              <a:t>1/14/2021</a:t>
             </a:fld>
             <a:endParaRPr lang="en-US"/>
           </a:p>
@@ -2056,7 +2057,7 @@
           <a:p>
             <a:fld id="{83777DF0-4DA5-40CD-8FA1-5F589D66E613}" type="datetimeFigureOut">
               <a:rPr lang="en-US" smtClean="0"/>
-              <a:t>1/12/2021</a:t>
+              <a:t>1/14/2021</a:t>
             </a:fld>
             <a:endParaRPr lang="en-US"/>
           </a:p>
@@ -2174,7 +2175,7 @@
           <a:p>
             <a:fld id="{83777DF0-4DA5-40CD-8FA1-5F589D66E613}" type="datetimeFigureOut">
               <a:rPr lang="en-US" smtClean="0"/>
-              <a:t>1/12/2021</a:t>
+              <a:t>1/14/2021</a:t>
             </a:fld>
             <a:endParaRPr lang="en-US"/>
           </a:p>
@@ -2269,7 +2270,7 @@
           <a:p>
             <a:fld id="{83777DF0-4DA5-40CD-8FA1-5F589D66E613}" type="datetimeFigureOut">
               <a:rPr lang="en-US" smtClean="0"/>
-              <a:t>1/12/2021</a:t>
+              <a:t>1/14/2021</a:t>
             </a:fld>
             <a:endParaRPr lang="en-US"/>
           </a:p>
@@ -2546,7 +2547,7 @@
           <a:p>
             <a:fld id="{83777DF0-4DA5-40CD-8FA1-5F589D66E613}" type="datetimeFigureOut">
               <a:rPr lang="en-US" smtClean="0"/>
-              <a:t>1/12/2021</a:t>
+              <a:t>1/14/2021</a:t>
             </a:fld>
             <a:endParaRPr lang="en-US"/>
           </a:p>
@@ -2803,7 +2804,7 @@
           <a:p>
             <a:fld id="{83777DF0-4DA5-40CD-8FA1-5F589D66E613}" type="datetimeFigureOut">
               <a:rPr lang="en-US" smtClean="0"/>
-              <a:t>1/12/2021</a:t>
+              <a:t>1/14/2021</a:t>
             </a:fld>
             <a:endParaRPr lang="en-US"/>
           </a:p>
@@ -3023,7 +3024,7 @@
           <a:p>
             <a:fld id="{83777DF0-4DA5-40CD-8FA1-5F589D66E613}" type="datetimeFigureOut">
               <a:rPr lang="en-US" smtClean="0"/>
-              <a:t>1/12/2021</a:t>
+              <a:t>1/14/2021</a:t>
             </a:fld>
             <a:endParaRPr lang="en-US"/>
           </a:p>
@@ -3433,6 +3434,288 @@
           <a:chExt cx="0" cy="0"/>
         </a:xfrm>
       </p:grpSpPr>
+      <p:pic>
+        <p:nvPicPr>
+          <p:cNvPr id="5" name="Picture 4"/>
+          <p:cNvPicPr>
+            <a:picLocks noChangeAspect="1"/>
+          </p:cNvPicPr>
+          <p:nvPr/>
+        </p:nvPicPr>
+        <p:blipFill>
+          <a:blip r:embed="rId2"/>
+          <a:stretch>
+            <a:fillRect/>
+          </a:stretch>
+        </p:blipFill>
+        <p:spPr>
+          <a:xfrm>
+            <a:off x="4053522" y="1516062"/>
+            <a:ext cx="2581275" cy="981075"/>
+          </a:xfrm>
+          <a:prstGeom prst="rect">
+            <a:avLst/>
+          </a:prstGeom>
+        </p:spPr>
+      </p:pic>
+      <p:pic>
+        <p:nvPicPr>
+          <p:cNvPr id="6" name="Picture 5"/>
+          <p:cNvPicPr>
+            <a:picLocks noChangeAspect="1"/>
+          </p:cNvPicPr>
+          <p:nvPr/>
+        </p:nvPicPr>
+        <p:blipFill>
+          <a:blip r:embed="rId3"/>
+          <a:stretch>
+            <a:fillRect/>
+          </a:stretch>
+        </p:blipFill>
+        <p:spPr>
+          <a:xfrm>
+            <a:off x="3851910" y="3082290"/>
+            <a:ext cx="3695700" cy="2705100"/>
+          </a:xfrm>
+          <a:prstGeom prst="rect">
+            <a:avLst/>
+          </a:prstGeom>
+        </p:spPr>
+      </p:pic>
+      <p:pic>
+        <p:nvPicPr>
+          <p:cNvPr id="8" name="Picture 7"/>
+          <p:cNvPicPr>
+            <a:picLocks noChangeAspect="1"/>
+          </p:cNvPicPr>
+          <p:nvPr/>
+        </p:nvPicPr>
+        <p:blipFill>
+          <a:blip r:embed="rId4"/>
+          <a:stretch>
+            <a:fillRect/>
+          </a:stretch>
+        </p:blipFill>
+        <p:spPr>
+          <a:xfrm>
+            <a:off x="9642475" y="5844540"/>
+            <a:ext cx="2457450" cy="361950"/>
+          </a:xfrm>
+          <a:prstGeom prst="rect">
+            <a:avLst/>
+          </a:prstGeom>
+        </p:spPr>
+      </p:pic>
+    </p:spTree>
+    <p:extLst>
+      <p:ext uri="{BB962C8B-B14F-4D97-AF65-F5344CB8AC3E}">
+        <p14:creationId xmlns:p14="http://schemas.microsoft.com/office/powerpoint/2010/main" val="2693173674"/>
+      </p:ext>
+    </p:extLst>
+  </p:cSld>
+  <p:clrMapOvr>
+    <a:masterClrMapping/>
+  </p:clrMapOvr>
+</p:sld>
+</file>
+
+<file path=ppt/slides/slide10.xml><?xml version="1.0" encoding="utf-8"?>
+<p:sld xmlns:a="http://schemas.openxmlformats.org/drawingml/2006/main" xmlns:r="http://schemas.openxmlformats.org/officeDocument/2006/relationships" xmlns:p="http://schemas.openxmlformats.org/presentationml/2006/main">
+  <p:cSld>
+    <p:spTree>
+      <p:nvGrpSpPr>
+        <p:cNvPr id="1" name=""/>
+        <p:cNvGrpSpPr/>
+        <p:nvPr/>
+      </p:nvGrpSpPr>
+      <p:grpSpPr>
+        <a:xfrm>
+          <a:off x="0" y="0"/>
+          <a:ext cx="0" cy="0"/>
+          <a:chOff x="0" y="0"/>
+          <a:chExt cx="0" cy="0"/>
+        </a:xfrm>
+      </p:grpSpPr>
+      <p:pic>
+        <p:nvPicPr>
+          <p:cNvPr id="4" name="Picture 3"/>
+          <p:cNvPicPr>
+            <a:picLocks noChangeAspect="1"/>
+          </p:cNvPicPr>
+          <p:nvPr/>
+        </p:nvPicPr>
+        <p:blipFill>
+          <a:blip r:embed="rId2"/>
+          <a:stretch>
+            <a:fillRect/>
+          </a:stretch>
+        </p:blipFill>
+        <p:spPr>
+          <a:xfrm>
+            <a:off x="3749040" y="0"/>
+            <a:ext cx="5094968" cy="758825"/>
+          </a:xfrm>
+          <a:prstGeom prst="rect">
+            <a:avLst/>
+          </a:prstGeom>
+        </p:spPr>
+      </p:pic>
+      <p:sp>
+        <p:nvSpPr>
+          <p:cNvPr id="5" name="Rectangle 4"/>
+          <p:cNvSpPr/>
+          <p:nvPr/>
+        </p:nvSpPr>
+        <p:spPr>
+          <a:xfrm>
+            <a:off x="704850" y="735011"/>
+            <a:ext cx="10229850" cy="5632311"/>
+          </a:xfrm>
+          <a:prstGeom prst="rect">
+            <a:avLst/>
+          </a:prstGeom>
+        </p:spPr>
+        <p:txBody>
+          <a:bodyPr wrap="square">
+            <a:spAutoFit/>
+          </a:bodyPr>
+          <a:lstStyle/>
+          <a:p>
+            <a:r>
+              <a:rPr lang="en-US" dirty="0"/>
+              <a:t>No questions.</a:t>
+            </a:r>
+          </a:p>
+          <a:p>
+            <a:r>
+              <a:rPr lang="en-US" dirty="0"/>
+              <a:t>will there be a group project in this class?</a:t>
+            </a:r>
+          </a:p>
+          <a:p>
+            <a:r>
+              <a:rPr lang="en-US" dirty="0"/>
+              <a:t>Will we have a project </a:t>
+            </a:r>
+          </a:p>
+          <a:p>
+            <a:r>
+              <a:rPr lang="en-US" dirty="0"/>
+              <a:t>none</a:t>
+            </a:r>
+          </a:p>
+          <a:p>
+            <a:r>
+              <a:rPr lang="en-US" dirty="0"/>
+              <a:t>N/A</a:t>
+            </a:r>
+          </a:p>
+          <a:p>
+            <a:endParaRPr lang="en-US" dirty="0"/>
+          </a:p>
+          <a:p>
+            <a:r>
+              <a:rPr lang="en-US" dirty="0"/>
+              <a:t>None</a:t>
+            </a:r>
+          </a:p>
+          <a:p>
+            <a:r>
+              <a:rPr lang="en-US" dirty="0"/>
+              <a:t>Just balancing the coursework with other classes</a:t>
+            </a:r>
+          </a:p>
+          <a:p>
+            <a:endParaRPr lang="en-US" dirty="0"/>
+          </a:p>
+          <a:p>
+            <a:r>
+              <a:rPr lang="en-US" dirty="0"/>
+              <a:t>I am super excited for this course. I am a computer science major but my interest lies in cyber security specifically. With the way my credits transferred from </a:t>
+            </a:r>
+            <a:r>
+              <a:rPr lang="en-US" dirty="0" err="1"/>
+              <a:t>Waubonsee</a:t>
+            </a:r>
+            <a:r>
+              <a:rPr lang="en-US" dirty="0"/>
+              <a:t> Community College computer science made it easier to graduate on time.</a:t>
+            </a:r>
+          </a:p>
+          <a:p>
+            <a:endParaRPr lang="en-US" dirty="0"/>
+          </a:p>
+          <a:p>
+            <a:r>
+              <a:rPr lang="en-US" dirty="0"/>
+              <a:t>None</a:t>
+            </a:r>
+          </a:p>
+          <a:p>
+            <a:endParaRPr lang="en-US" dirty="0"/>
+          </a:p>
+          <a:p>
+            <a:r>
+              <a:rPr lang="en-US" dirty="0"/>
+              <a:t>what would we be doing in class.</a:t>
+            </a:r>
+          </a:p>
+          <a:p>
+            <a:r>
+              <a:rPr lang="en-US" dirty="0"/>
+              <a:t>What technologies will we use</a:t>
+            </a:r>
+          </a:p>
+          <a:p>
+            <a:r>
+              <a:rPr lang="en-US" dirty="0"/>
+              <a:t>A concern would be falling behind in the class. </a:t>
+            </a:r>
+          </a:p>
+          <a:p>
+            <a:r>
+              <a:rPr lang="en-US" dirty="0"/>
+              <a:t>N/A</a:t>
+            </a:r>
+          </a:p>
+          <a:p>
+            <a:r>
+              <a:rPr lang="en-US" dirty="0"/>
+              <a:t>What kind of class is this?</a:t>
+            </a:r>
+          </a:p>
+        </p:txBody>
+      </p:sp>
+    </p:spTree>
+    <p:extLst>
+      <p:ext uri="{BB962C8B-B14F-4D97-AF65-F5344CB8AC3E}">
+        <p14:creationId xmlns:p14="http://schemas.microsoft.com/office/powerpoint/2010/main" val="1526845032"/>
+      </p:ext>
+    </p:extLst>
+  </p:cSld>
+  <p:clrMapOvr>
+    <a:masterClrMapping/>
+  </p:clrMapOvr>
+</p:sld>
+</file>
+
+<file path=ppt/slides/slide2.xml><?xml version="1.0" encoding="utf-8"?>
+<p:sld xmlns:a="http://schemas.openxmlformats.org/drawingml/2006/main" xmlns:r="http://schemas.openxmlformats.org/officeDocument/2006/relationships" xmlns:p="http://schemas.openxmlformats.org/presentationml/2006/main">
+  <p:cSld>
+    <p:spTree>
+      <p:nvGrpSpPr>
+        <p:cNvPr id="1" name=""/>
+        <p:cNvGrpSpPr/>
+        <p:nvPr/>
+      </p:nvGrpSpPr>
+      <p:grpSpPr>
+        <a:xfrm>
+          <a:off x="0" y="0"/>
+          <a:ext cx="0" cy="0"/>
+          <a:chOff x="0" y="0"/>
+          <a:chExt cx="0" cy="0"/>
+        </a:xfrm>
+      </p:grpSpPr>
       <p:sp>
         <p:nvSpPr>
           <p:cNvPr id="5" name="Footer Placeholder 4"/>
@@ -3473,7 +3756,7 @@
             <a:fld id="{CB105B8D-1C36-1C40-961B-CAAB1DD98B28}" type="slidenum">
               <a:rPr lang="en-US" smtClean="0"/>
               <a:pPr/>
-              <a:t>1</a:t>
+              <a:t>2</a:t>
             </a:fld>
             <a:endParaRPr lang="en-US"/>
           </a:p>
@@ -3518,8 +3801,8 @@
         </p:blipFill>
         <p:spPr>
           <a:xfrm>
-            <a:off x="1604962" y="2019300"/>
-            <a:ext cx="7724775" cy="800100"/>
+            <a:off x="1472882" y="982980"/>
+            <a:ext cx="9833761" cy="1018540"/>
           </a:xfrm>
           <a:prstGeom prst="rect">
             <a:avLst/>
@@ -3542,8 +3825,8 @@
         </p:blipFill>
         <p:spPr>
           <a:xfrm>
-            <a:off x="676275" y="4081462"/>
-            <a:ext cx="10677525" cy="409575"/>
+            <a:off x="676275" y="3217862"/>
+            <a:ext cx="11463867" cy="439738"/>
           </a:xfrm>
           <a:prstGeom prst="rect">
             <a:avLst/>
@@ -3563,7 +3846,7 @@
 </p:sld>
 </file>
 
-<file path=ppt/slides/slide2.xml><?xml version="1.0" encoding="utf-8"?>
+<file path=ppt/slides/slide3.xml><?xml version="1.0" encoding="utf-8"?>
 <p:sld xmlns:a="http://schemas.openxmlformats.org/drawingml/2006/main" xmlns:r="http://schemas.openxmlformats.org/officeDocument/2006/relationships" xmlns:p="http://schemas.openxmlformats.org/presentationml/2006/main">
   <p:cSld>
     <p:spTree>
@@ -4470,7 +4753,7 @@
                     <a:lstStyle/>
                     <a:p>
                       <a:r>
-                        <a:rPr lang="en-US" sz="1200">
+                        <a:rPr lang="en-US" sz="1200" dirty="0">
                           <a:effectLst/>
                         </a:rPr>
                         <a:t>Scheduling, other classes with big projects also in groups</a:t>
@@ -4774,7 +5057,7 @@
 </p:sld>
 </file>
 
-<file path=ppt/slides/slide3.xml><?xml version="1.0" encoding="utf-8"?>
+<file path=ppt/slides/slide4.xml><?xml version="1.0" encoding="utf-8"?>
 <p:sld xmlns:a="http://schemas.openxmlformats.org/drawingml/2006/main" xmlns:r="http://schemas.openxmlformats.org/officeDocument/2006/relationships" xmlns:p="http://schemas.openxmlformats.org/presentationml/2006/main">
   <p:cSld>
     <p:spTree>
@@ -4807,8 +5090,8 @@
         </p:blipFill>
         <p:spPr>
           <a:xfrm>
-            <a:off x="914400" y="1445419"/>
-            <a:ext cx="9772650" cy="828675"/>
+            <a:off x="386080" y="703739"/>
+            <a:ext cx="11590510" cy="982821"/>
           </a:xfrm>
           <a:prstGeom prst="rect">
             <a:avLst/>
@@ -4831,8 +5114,8 @@
         </p:blipFill>
         <p:spPr>
           <a:xfrm>
-            <a:off x="2667000" y="2751932"/>
-            <a:ext cx="6000750" cy="800100"/>
+            <a:off x="2748280" y="2792572"/>
+            <a:ext cx="7706910" cy="1027588"/>
           </a:xfrm>
           <a:prstGeom prst="rect">
             <a:avLst/>
@@ -4852,7 +5135,7 @@
 </p:sld>
 </file>
 
-<file path=ppt/slides/slide4.xml><?xml version="1.0" encoding="utf-8"?>
+<file path=ppt/slides/slide5.xml><?xml version="1.0" encoding="utf-8"?>
 <p:sld xmlns:a="http://schemas.openxmlformats.org/drawingml/2006/main" xmlns:r="http://schemas.openxmlformats.org/officeDocument/2006/relationships" xmlns:p="http://schemas.openxmlformats.org/presentationml/2006/main">
   <p:cSld>
     <p:spTree>
@@ -4907,6 +5190,12 @@
           <a:prstGeom prst="rect">
             <a:avLst/>
           </a:prstGeom>
+          <a:solidFill>
+            <a:schemeClr val="accent6">
+              <a:lumMod val="20000"/>
+              <a:lumOff val="80000"/>
+            </a:schemeClr>
+          </a:solidFill>
         </p:spPr>
         <p:txBody>
           <a:bodyPr wrap="square">
@@ -5110,7 +5399,7 @@
 </p:sld>
 </file>
 
-<file path=ppt/slides/slide5.xml><?xml version="1.0" encoding="utf-8"?>
+<file path=ppt/slides/slide6.xml><?xml version="1.0" encoding="utf-8"?>
 <p:sld xmlns:a="http://schemas.openxmlformats.org/drawingml/2006/main" xmlns:r="http://schemas.openxmlformats.org/officeDocument/2006/relationships" xmlns:p="http://schemas.openxmlformats.org/presentationml/2006/main">
   <p:cSld>
     <p:spTree>
@@ -5188,7 +5477,7 @@
 </p:sld>
 </file>
 
-<file path=ppt/slides/slide6.xml><?xml version="1.0" encoding="utf-8"?>
+<file path=ppt/slides/slide7.xml><?xml version="1.0" encoding="utf-8"?>
 <p:sld xmlns:a="http://schemas.openxmlformats.org/drawingml/2006/main" xmlns:r="http://schemas.openxmlformats.org/officeDocument/2006/relationships" xmlns:p="http://schemas.openxmlformats.org/presentationml/2006/main">
   <p:cSld>
     <p:spTree>
@@ -5266,7 +5555,7 @@
 </p:sld>
 </file>
 
-<file path=ppt/slides/slide7.xml><?xml version="1.0" encoding="utf-8"?>
+<file path=ppt/slides/slide8.xml><?xml version="1.0" encoding="utf-8"?>
 <p:sld xmlns:a="http://schemas.openxmlformats.org/drawingml/2006/main" xmlns:r="http://schemas.openxmlformats.org/officeDocument/2006/relationships" xmlns:p="http://schemas.openxmlformats.org/presentationml/2006/main">
   <p:cSld>
     <p:spTree>
@@ -5473,60 +5762,6 @@
     <p:extLst>
       <p:ext uri="{BB962C8B-B14F-4D97-AF65-F5344CB8AC3E}">
         <p14:creationId xmlns:p14="http://schemas.microsoft.com/office/powerpoint/2010/main" val="1527554991"/>
-      </p:ext>
-    </p:extLst>
-  </p:cSld>
-  <p:clrMapOvr>
-    <a:masterClrMapping/>
-  </p:clrMapOvr>
-</p:sld>
-</file>
-
-<file path=ppt/slides/slide8.xml><?xml version="1.0" encoding="utf-8"?>
-<p:sld xmlns:a="http://schemas.openxmlformats.org/drawingml/2006/main" xmlns:r="http://schemas.openxmlformats.org/officeDocument/2006/relationships" xmlns:p="http://schemas.openxmlformats.org/presentationml/2006/main">
-  <p:cSld>
-    <p:spTree>
-      <p:nvGrpSpPr>
-        <p:cNvPr id="1" name=""/>
-        <p:cNvGrpSpPr/>
-        <p:nvPr/>
-      </p:nvGrpSpPr>
-      <p:grpSpPr>
-        <a:xfrm>
-          <a:off x="0" y="0"/>
-          <a:ext cx="0" cy="0"/>
-          <a:chOff x="0" y="0"/>
-          <a:chExt cx="0" cy="0"/>
-        </a:xfrm>
-      </p:grpSpPr>
-      <p:pic>
-        <p:nvPicPr>
-          <p:cNvPr id="4" name="Picture 3"/>
-          <p:cNvPicPr>
-            <a:picLocks noChangeAspect="1"/>
-          </p:cNvPicPr>
-          <p:nvPr/>
-        </p:nvPicPr>
-        <p:blipFill>
-          <a:blip r:embed="rId2"/>
-          <a:stretch>
-            <a:fillRect/>
-          </a:stretch>
-        </p:blipFill>
-        <p:spPr>
-          <a:xfrm>
-            <a:off x="838200" y="710406"/>
-            <a:ext cx="9453426" cy="1115219"/>
-          </a:xfrm>
-          <a:prstGeom prst="rect">
-            <a:avLst/>
-          </a:prstGeom>
-        </p:spPr>
-      </p:pic>
-    </p:spTree>
-    <p:extLst>
-      <p:ext uri="{BB962C8B-B14F-4D97-AF65-F5344CB8AC3E}">
-        <p14:creationId xmlns:p14="http://schemas.microsoft.com/office/powerpoint/2010/main" val="1346281760"/>
       </p:ext>
     </p:extLst>
   </p:cSld>
@@ -5569,144 +5804,18 @@
         </p:blipFill>
         <p:spPr>
           <a:xfrm>
-            <a:off x="2133600" y="69849"/>
-            <a:ext cx="5094968" cy="758825"/>
+            <a:off x="1122680" y="1086326"/>
+            <a:ext cx="9453426" cy="1115219"/>
           </a:xfrm>
           <a:prstGeom prst="rect">
             <a:avLst/>
           </a:prstGeom>
         </p:spPr>
       </p:pic>
-      <p:sp>
-        <p:nvSpPr>
-          <p:cNvPr id="5" name="Rectangle 4"/>
-          <p:cNvSpPr/>
-          <p:nvPr/>
-        </p:nvSpPr>
-        <p:spPr>
-          <a:xfrm>
-            <a:off x="704850" y="735011"/>
-            <a:ext cx="10229850" cy="5632311"/>
-          </a:xfrm>
-          <a:prstGeom prst="rect">
-            <a:avLst/>
-          </a:prstGeom>
-        </p:spPr>
-        <p:txBody>
-          <a:bodyPr wrap="square">
-            <a:spAutoFit/>
-          </a:bodyPr>
-          <a:lstStyle/>
-          <a:p>
-            <a:r>
-              <a:rPr lang="en-US" dirty="0"/>
-              <a:t>No questions.</a:t>
-            </a:r>
-          </a:p>
-          <a:p>
-            <a:r>
-              <a:rPr lang="en-US" dirty="0"/>
-              <a:t>will there be a group project in this class?</a:t>
-            </a:r>
-          </a:p>
-          <a:p>
-            <a:r>
-              <a:rPr lang="en-US" dirty="0"/>
-              <a:t>Will we have a project </a:t>
-            </a:r>
-          </a:p>
-          <a:p>
-            <a:r>
-              <a:rPr lang="en-US" dirty="0"/>
-              <a:t>none</a:t>
-            </a:r>
-          </a:p>
-          <a:p>
-            <a:r>
-              <a:rPr lang="en-US" dirty="0"/>
-              <a:t>N/A</a:t>
-            </a:r>
-          </a:p>
-          <a:p>
-            <a:endParaRPr lang="en-US" dirty="0"/>
-          </a:p>
-          <a:p>
-            <a:r>
-              <a:rPr lang="en-US" dirty="0"/>
-              <a:t>None</a:t>
-            </a:r>
-          </a:p>
-          <a:p>
-            <a:r>
-              <a:rPr lang="en-US" dirty="0"/>
-              <a:t>Just balancing the coursework with other classes</a:t>
-            </a:r>
-          </a:p>
-          <a:p>
-            <a:endParaRPr lang="en-US" dirty="0"/>
-          </a:p>
-          <a:p>
-            <a:r>
-              <a:rPr lang="en-US" dirty="0"/>
-              <a:t>I am super excited for this course. I am a computer science major but my interest lies in cyber security specifically. With the way my credits transferred from </a:t>
-            </a:r>
-            <a:r>
-              <a:rPr lang="en-US" dirty="0" err="1"/>
-              <a:t>Waubonsee</a:t>
-            </a:r>
-            <a:r>
-              <a:rPr lang="en-US" dirty="0"/>
-              <a:t> Community College computer science made it easier to graduate on time.</a:t>
-            </a:r>
-          </a:p>
-          <a:p>
-            <a:endParaRPr lang="en-US" dirty="0"/>
-          </a:p>
-          <a:p>
-            <a:r>
-              <a:rPr lang="en-US" dirty="0"/>
-              <a:t>None</a:t>
-            </a:r>
-          </a:p>
-          <a:p>
-            <a:endParaRPr lang="en-US" dirty="0"/>
-          </a:p>
-          <a:p>
-            <a:r>
-              <a:rPr lang="en-US" dirty="0"/>
-              <a:t>what would we be doing in class.</a:t>
-            </a:r>
-          </a:p>
-          <a:p>
-            <a:r>
-              <a:rPr lang="en-US" dirty="0"/>
-              <a:t>What technologies will we use</a:t>
-            </a:r>
-          </a:p>
-          <a:p>
-            <a:r>
-              <a:rPr lang="en-US" dirty="0"/>
-              <a:t>A concern would be falling behind in the class. </a:t>
-            </a:r>
-          </a:p>
-          <a:p>
-            <a:r>
-              <a:rPr lang="en-US" dirty="0"/>
-              <a:t>N/A</a:t>
-            </a:r>
-          </a:p>
-          <a:p>
-            <a:r>
-              <a:rPr lang="en-US" dirty="0"/>
-              <a:t>What kind of class is this?</a:t>
-            </a:r>
-          </a:p>
-        </p:txBody>
-      </p:sp>
     </p:spTree>
     <p:extLst>
       <p:ext uri="{BB962C8B-B14F-4D97-AF65-F5344CB8AC3E}">
-        <p14:creationId xmlns:p14="http://schemas.microsoft.com/office/powerpoint/2010/main" val="1526845032"/>
+        <p14:creationId xmlns:p14="http://schemas.microsoft.com/office/powerpoint/2010/main" val="1346281760"/>
       </p:ext>
     </p:extLst>
   </p:cSld>
